--- a/Recap/Recap SW2.pptx
+++ b/Recap/Recap SW2.pptx
@@ -242,6 +242,7 @@
           <a:p>
             <a:fld id="{648FA0F5-583B-41D0-8988-0CEE4C1F68CE}" type="datetimeFigureOut">
               <a:rPr lang="en-GB" smtClean="0"/>
+              <a:pPr/>
               <a:t>04/03/2014</a:t>
             </a:fld>
             <a:endParaRPr lang="en-GB"/>
@@ -284,6 +285,7 @@
           <a:p>
             <a:fld id="{6EA560AD-3C6C-48B2-970D-0B9E96F6F98A}" type="slidenum">
               <a:rPr lang="en-GB" smtClean="0"/>
+              <a:pPr/>
               <a:t>‹Nr.›</a:t>
             </a:fld>
             <a:endParaRPr lang="en-GB"/>
@@ -293,7 +295,7 @@
     </p:spTree>
     <p:extLst>
       <p:ext uri="{BB962C8B-B14F-4D97-AF65-F5344CB8AC3E}">
-        <p14:creationId xmlns:p14="http://schemas.microsoft.com/office/powerpoint/2010/main" val="525252326"/>
+        <p14:creationId xmlns:p14="http://schemas.microsoft.com/office/powerpoint/2010/main" xmlns="" val="525252326"/>
       </p:ext>
     </p:extLst>
   </p:cSld>
@@ -412,6 +414,7 @@
           <a:p>
             <a:fld id="{648FA0F5-583B-41D0-8988-0CEE4C1F68CE}" type="datetimeFigureOut">
               <a:rPr lang="en-GB" smtClean="0"/>
+              <a:pPr/>
               <a:t>04/03/2014</a:t>
             </a:fld>
             <a:endParaRPr lang="en-GB"/>
@@ -454,6 +457,7 @@
           <a:p>
             <a:fld id="{6EA560AD-3C6C-48B2-970D-0B9E96F6F98A}" type="slidenum">
               <a:rPr lang="en-GB" smtClean="0"/>
+              <a:pPr/>
               <a:t>‹Nr.›</a:t>
             </a:fld>
             <a:endParaRPr lang="en-GB"/>
@@ -463,7 +467,7 @@
     </p:spTree>
     <p:extLst>
       <p:ext uri="{BB962C8B-B14F-4D97-AF65-F5344CB8AC3E}">
-        <p14:creationId xmlns:p14="http://schemas.microsoft.com/office/powerpoint/2010/main" val="472806435"/>
+        <p14:creationId xmlns:p14="http://schemas.microsoft.com/office/powerpoint/2010/main" xmlns="" val="472806435"/>
       </p:ext>
     </p:extLst>
   </p:cSld>
@@ -592,6 +596,7 @@
           <a:p>
             <a:fld id="{648FA0F5-583B-41D0-8988-0CEE4C1F68CE}" type="datetimeFigureOut">
               <a:rPr lang="en-GB" smtClean="0"/>
+              <a:pPr/>
               <a:t>04/03/2014</a:t>
             </a:fld>
             <a:endParaRPr lang="en-GB"/>
@@ -634,6 +639,7 @@
           <a:p>
             <a:fld id="{6EA560AD-3C6C-48B2-970D-0B9E96F6F98A}" type="slidenum">
               <a:rPr lang="en-GB" smtClean="0"/>
+              <a:pPr/>
               <a:t>‹Nr.›</a:t>
             </a:fld>
             <a:endParaRPr lang="en-GB"/>
@@ -643,7 +649,7 @@
     </p:spTree>
     <p:extLst>
       <p:ext uri="{BB962C8B-B14F-4D97-AF65-F5344CB8AC3E}">
-        <p14:creationId xmlns:p14="http://schemas.microsoft.com/office/powerpoint/2010/main" val="213450818"/>
+        <p14:creationId xmlns:p14="http://schemas.microsoft.com/office/powerpoint/2010/main" xmlns="" val="213450818"/>
       </p:ext>
     </p:extLst>
   </p:cSld>
@@ -762,6 +768,7 @@
           <a:p>
             <a:fld id="{648FA0F5-583B-41D0-8988-0CEE4C1F68CE}" type="datetimeFigureOut">
               <a:rPr lang="en-GB" smtClean="0"/>
+              <a:pPr/>
               <a:t>04/03/2014</a:t>
             </a:fld>
             <a:endParaRPr lang="en-GB"/>
@@ -804,6 +811,7 @@
           <a:p>
             <a:fld id="{6EA560AD-3C6C-48B2-970D-0B9E96F6F98A}" type="slidenum">
               <a:rPr lang="en-GB" smtClean="0"/>
+              <a:pPr/>
               <a:t>‹Nr.›</a:t>
             </a:fld>
             <a:endParaRPr lang="en-GB"/>
@@ -813,7 +821,7 @@
     </p:spTree>
     <p:extLst>
       <p:ext uri="{BB962C8B-B14F-4D97-AF65-F5344CB8AC3E}">
-        <p14:creationId xmlns:p14="http://schemas.microsoft.com/office/powerpoint/2010/main" val="3904109904"/>
+        <p14:creationId xmlns:p14="http://schemas.microsoft.com/office/powerpoint/2010/main" xmlns="" val="3904109904"/>
       </p:ext>
     </p:extLst>
   </p:cSld>
@@ -1008,6 +1016,7 @@
           <a:p>
             <a:fld id="{648FA0F5-583B-41D0-8988-0CEE4C1F68CE}" type="datetimeFigureOut">
               <a:rPr lang="en-GB" smtClean="0"/>
+              <a:pPr/>
               <a:t>04/03/2014</a:t>
             </a:fld>
             <a:endParaRPr lang="en-GB"/>
@@ -1050,6 +1059,7 @@
           <a:p>
             <a:fld id="{6EA560AD-3C6C-48B2-970D-0B9E96F6F98A}" type="slidenum">
               <a:rPr lang="en-GB" smtClean="0"/>
+              <a:pPr/>
               <a:t>‹Nr.›</a:t>
             </a:fld>
             <a:endParaRPr lang="en-GB"/>
@@ -1059,7 +1069,7 @@
     </p:spTree>
     <p:extLst>
       <p:ext uri="{BB962C8B-B14F-4D97-AF65-F5344CB8AC3E}">
-        <p14:creationId xmlns:p14="http://schemas.microsoft.com/office/powerpoint/2010/main" val="904019877"/>
+        <p14:creationId xmlns:p14="http://schemas.microsoft.com/office/powerpoint/2010/main" xmlns="" val="904019877"/>
       </p:ext>
     </p:extLst>
   </p:cSld>
@@ -1240,6 +1250,7 @@
           <a:p>
             <a:fld id="{648FA0F5-583B-41D0-8988-0CEE4C1F68CE}" type="datetimeFigureOut">
               <a:rPr lang="en-GB" smtClean="0"/>
+              <a:pPr/>
               <a:t>04/03/2014</a:t>
             </a:fld>
             <a:endParaRPr lang="en-GB"/>
@@ -1282,6 +1293,7 @@
           <a:p>
             <a:fld id="{6EA560AD-3C6C-48B2-970D-0B9E96F6F98A}" type="slidenum">
               <a:rPr lang="en-GB" smtClean="0"/>
+              <a:pPr/>
               <a:t>‹Nr.›</a:t>
             </a:fld>
             <a:endParaRPr lang="en-GB"/>
@@ -1291,7 +1303,7 @@
     </p:spTree>
     <p:extLst>
       <p:ext uri="{BB962C8B-B14F-4D97-AF65-F5344CB8AC3E}">
-        <p14:creationId xmlns:p14="http://schemas.microsoft.com/office/powerpoint/2010/main" val="2037261282"/>
+        <p14:creationId xmlns:p14="http://schemas.microsoft.com/office/powerpoint/2010/main" xmlns="" val="2037261282"/>
       </p:ext>
     </p:extLst>
   </p:cSld>
@@ -1607,6 +1619,7 @@
           <a:p>
             <a:fld id="{648FA0F5-583B-41D0-8988-0CEE4C1F68CE}" type="datetimeFigureOut">
               <a:rPr lang="en-GB" smtClean="0"/>
+              <a:pPr/>
               <a:t>04/03/2014</a:t>
             </a:fld>
             <a:endParaRPr lang="en-GB"/>
@@ -1649,6 +1662,7 @@
           <a:p>
             <a:fld id="{6EA560AD-3C6C-48B2-970D-0B9E96F6F98A}" type="slidenum">
               <a:rPr lang="en-GB" smtClean="0"/>
+              <a:pPr/>
               <a:t>‹Nr.›</a:t>
             </a:fld>
             <a:endParaRPr lang="en-GB"/>
@@ -1658,7 +1672,7 @@
     </p:spTree>
     <p:extLst>
       <p:ext uri="{BB962C8B-B14F-4D97-AF65-F5344CB8AC3E}">
-        <p14:creationId xmlns:p14="http://schemas.microsoft.com/office/powerpoint/2010/main" val="1720966347"/>
+        <p14:creationId xmlns:p14="http://schemas.microsoft.com/office/powerpoint/2010/main" xmlns="" val="1720966347"/>
       </p:ext>
     </p:extLst>
   </p:cSld>
@@ -1725,6 +1739,7 @@
           <a:p>
             <a:fld id="{648FA0F5-583B-41D0-8988-0CEE4C1F68CE}" type="datetimeFigureOut">
               <a:rPr lang="en-GB" smtClean="0"/>
+              <a:pPr/>
               <a:t>04/03/2014</a:t>
             </a:fld>
             <a:endParaRPr lang="en-GB"/>
@@ -1767,6 +1782,7 @@
           <a:p>
             <a:fld id="{6EA560AD-3C6C-48B2-970D-0B9E96F6F98A}" type="slidenum">
               <a:rPr lang="en-GB" smtClean="0"/>
+              <a:pPr/>
               <a:t>‹Nr.›</a:t>
             </a:fld>
             <a:endParaRPr lang="en-GB"/>
@@ -1776,7 +1792,7 @@
     </p:spTree>
     <p:extLst>
       <p:ext uri="{BB962C8B-B14F-4D97-AF65-F5344CB8AC3E}">
-        <p14:creationId xmlns:p14="http://schemas.microsoft.com/office/powerpoint/2010/main" val="90781609"/>
+        <p14:creationId xmlns:p14="http://schemas.microsoft.com/office/powerpoint/2010/main" xmlns="" val="90781609"/>
       </p:ext>
     </p:extLst>
   </p:cSld>
@@ -1820,6 +1836,7 @@
           <a:p>
             <a:fld id="{648FA0F5-583B-41D0-8988-0CEE4C1F68CE}" type="datetimeFigureOut">
               <a:rPr lang="en-GB" smtClean="0"/>
+              <a:pPr/>
               <a:t>04/03/2014</a:t>
             </a:fld>
             <a:endParaRPr lang="en-GB"/>
@@ -1862,6 +1879,7 @@
           <a:p>
             <a:fld id="{6EA560AD-3C6C-48B2-970D-0B9E96F6F98A}" type="slidenum">
               <a:rPr lang="en-GB" smtClean="0"/>
+              <a:pPr/>
               <a:t>‹Nr.›</a:t>
             </a:fld>
             <a:endParaRPr lang="en-GB"/>
@@ -1871,7 +1889,7 @@
     </p:spTree>
     <p:extLst>
       <p:ext uri="{BB962C8B-B14F-4D97-AF65-F5344CB8AC3E}">
-        <p14:creationId xmlns:p14="http://schemas.microsoft.com/office/powerpoint/2010/main" val="4152667495"/>
+        <p14:creationId xmlns:p14="http://schemas.microsoft.com/office/powerpoint/2010/main" xmlns="" val="4152667495"/>
       </p:ext>
     </p:extLst>
   </p:cSld>
@@ -2097,6 +2115,7 @@
           <a:p>
             <a:fld id="{648FA0F5-583B-41D0-8988-0CEE4C1F68CE}" type="datetimeFigureOut">
               <a:rPr lang="en-GB" smtClean="0"/>
+              <a:pPr/>
               <a:t>04/03/2014</a:t>
             </a:fld>
             <a:endParaRPr lang="en-GB"/>
@@ -2139,6 +2158,7 @@
           <a:p>
             <a:fld id="{6EA560AD-3C6C-48B2-970D-0B9E96F6F98A}" type="slidenum">
               <a:rPr lang="en-GB" smtClean="0"/>
+              <a:pPr/>
               <a:t>‹Nr.›</a:t>
             </a:fld>
             <a:endParaRPr lang="en-GB"/>
@@ -2148,7 +2168,7 @@
     </p:spTree>
     <p:extLst>
       <p:ext uri="{BB962C8B-B14F-4D97-AF65-F5344CB8AC3E}">
-        <p14:creationId xmlns:p14="http://schemas.microsoft.com/office/powerpoint/2010/main" val="4076576353"/>
+        <p14:creationId xmlns:p14="http://schemas.microsoft.com/office/powerpoint/2010/main" xmlns="" val="4076576353"/>
       </p:ext>
     </p:extLst>
   </p:cSld>
@@ -2350,6 +2370,7 @@
           <a:p>
             <a:fld id="{648FA0F5-583B-41D0-8988-0CEE4C1F68CE}" type="datetimeFigureOut">
               <a:rPr lang="en-GB" smtClean="0"/>
+              <a:pPr/>
               <a:t>04/03/2014</a:t>
             </a:fld>
             <a:endParaRPr lang="en-GB"/>
@@ -2392,6 +2413,7 @@
           <a:p>
             <a:fld id="{6EA560AD-3C6C-48B2-970D-0B9E96F6F98A}" type="slidenum">
               <a:rPr lang="en-GB" smtClean="0"/>
+              <a:pPr/>
               <a:t>‹Nr.›</a:t>
             </a:fld>
             <a:endParaRPr lang="en-GB"/>
@@ -2401,7 +2423,7 @@
     </p:spTree>
     <p:extLst>
       <p:ext uri="{BB962C8B-B14F-4D97-AF65-F5344CB8AC3E}">
-        <p14:creationId xmlns:p14="http://schemas.microsoft.com/office/powerpoint/2010/main" val="1859580088"/>
+        <p14:creationId xmlns:p14="http://schemas.microsoft.com/office/powerpoint/2010/main" xmlns="" val="1859580088"/>
       </p:ext>
     </p:extLst>
   </p:cSld>
@@ -2563,6 +2585,7 @@
           <a:p>
             <a:fld id="{648FA0F5-583B-41D0-8988-0CEE4C1F68CE}" type="datetimeFigureOut">
               <a:rPr lang="en-GB" smtClean="0"/>
+              <a:pPr/>
               <a:t>04/03/2014</a:t>
             </a:fld>
             <a:endParaRPr lang="en-GB"/>
@@ -2641,6 +2664,7 @@
           <a:p>
             <a:fld id="{6EA560AD-3C6C-48B2-970D-0B9E96F6F98A}" type="slidenum">
               <a:rPr lang="en-GB" smtClean="0"/>
+              <a:pPr/>
               <a:t>‹Nr.›</a:t>
             </a:fld>
             <a:endParaRPr lang="en-GB"/>
@@ -2650,7 +2674,7 @@
     </p:spTree>
     <p:extLst>
       <p:ext uri="{BB962C8B-B14F-4D97-AF65-F5344CB8AC3E}">
-        <p14:creationId xmlns:p14="http://schemas.microsoft.com/office/powerpoint/2010/main" val="869154123"/>
+        <p14:creationId xmlns:p14="http://schemas.microsoft.com/office/powerpoint/2010/main" xmlns="" val="869154123"/>
       </p:ext>
     </p:extLst>
   </p:cSld>
@@ -2983,6 +3007,10 @@
           <a:bodyPr/>
           <a:lstStyle/>
           <a:p>
+            <a:r>
+              <a:rPr lang="en-GB" smtClean="0"/>
+              <a:t>REKÄP</a:t>
+            </a:r>
             <a:endParaRPr lang="en-GB" dirty="0"/>
           </a:p>
         </p:txBody>
@@ -3009,7 +3037,7 @@
     </p:spTree>
     <p:extLst>
       <p:ext uri="{BB962C8B-B14F-4D97-AF65-F5344CB8AC3E}">
-        <p14:creationId xmlns:p14="http://schemas.microsoft.com/office/powerpoint/2010/main" val="2316312611"/>
+        <p14:creationId xmlns:p14="http://schemas.microsoft.com/office/powerpoint/2010/main" xmlns="" val="2316312611"/>
       </p:ext>
     </p:extLst>
   </p:cSld>
@@ -3117,7 +3145,7 @@
     </p:spTree>
     <p:extLst>
       <p:ext uri="{BB962C8B-B14F-4D97-AF65-F5344CB8AC3E}">
-        <p14:creationId xmlns:p14="http://schemas.microsoft.com/office/powerpoint/2010/main" val="3449942625"/>
+        <p14:creationId xmlns:p14="http://schemas.microsoft.com/office/powerpoint/2010/main" xmlns="" val="3449942625"/>
       </p:ext>
     </p:extLst>
   </p:cSld>
@@ -3196,7 +3224,7 @@
     </p:spTree>
     <p:extLst>
       <p:ext uri="{BB962C8B-B14F-4D97-AF65-F5344CB8AC3E}">
-        <p14:creationId xmlns:p14="http://schemas.microsoft.com/office/powerpoint/2010/main" val="3090885225"/>
+        <p14:creationId xmlns:p14="http://schemas.microsoft.com/office/powerpoint/2010/main" xmlns="" val="3090885225"/>
       </p:ext>
     </p:extLst>
   </p:cSld>
@@ -3275,7 +3303,7 @@
     </p:spTree>
     <p:extLst>
       <p:ext uri="{BB962C8B-B14F-4D97-AF65-F5344CB8AC3E}">
-        <p14:creationId xmlns:p14="http://schemas.microsoft.com/office/powerpoint/2010/main" val="4054263776"/>
+        <p14:creationId xmlns:p14="http://schemas.microsoft.com/office/powerpoint/2010/main" xmlns="" val="4054263776"/>
       </p:ext>
     </p:extLst>
   </p:cSld>
@@ -3350,7 +3378,7 @@
     </p:spTree>
     <p:extLst>
       <p:ext uri="{BB962C8B-B14F-4D97-AF65-F5344CB8AC3E}">
-        <p14:creationId xmlns:p14="http://schemas.microsoft.com/office/powerpoint/2010/main" val="534812656"/>
+        <p14:creationId xmlns:p14="http://schemas.microsoft.com/office/powerpoint/2010/main" xmlns="" val="534812656"/>
       </p:ext>
     </p:extLst>
   </p:cSld>
@@ -3410,7 +3438,7 @@
     </a:clrScheme>
     <a:fontScheme name="Office">
       <a:majorFont>
-        <a:latin typeface="Calibri Light" panose="020F0302020204030204"/>
+        <a:latin typeface="Calibri Light"/>
         <a:ea typeface=""/>
         <a:cs typeface=""/>
         <a:font script="Jpan" typeface="ＭＳ Ｐゴシック"/>
@@ -3445,7 +3473,7 @@
         <a:font script="Geor" typeface="Sylfaen"/>
       </a:majorFont>
       <a:minorFont>
-        <a:latin typeface="Calibri" panose="020F0502020204030204"/>
+        <a:latin typeface="Calibri"/>
         <a:ea typeface=""/>
         <a:cs typeface=""/>
         <a:font script="Jpan" typeface="ＭＳ Ｐゴシック"/>
@@ -3622,7 +3650,7 @@
   <a:extraClrSchemeLst/>
   <a:extLst>
     <a:ext uri="{05A4C25C-085E-4340-85A3-A5531E510DB2}">
-      <thm15:themeFamily xmlns:thm15="http://schemas.microsoft.com/office/thememl/2012/main" name="Office Theme" id="{62F939B6-93AF-4DB8-9C6B-D6C7DFDC589F}" vid="{4A3C46E8-61CC-4603-A589-7422A47A8E4A}"/>
+      <thm15:themeFamily xmlns:thm15="http://schemas.microsoft.com/office/thememl/2012/main" xmlns="" name="Office Theme" id="{62F939B6-93AF-4DB8-9C6B-D6C7DFDC589F}" vid="{4A3C46E8-61CC-4603-A589-7422A47A8E4A}"/>
     </a:ext>
   </a:extLst>
 </a:theme>
